--- a/GojolerbeeLerechelhajerefawwha/GojolerbeeLerechelhajerefawwha/测试.pptx
+++ b/GojolerbeeLerechelhajerefawwha/GojolerbeeLerechelhajerefawwha/测试.pptx
@@ -19,7 +19,7 @@
           <a:schemeClr val="tx1"/>
         </a:solidFill>
         <a:latin typeface="+mn-lt"/>
-        <a:ea typeface="林德熙"/>
+        <a:ea typeface="+mn-ea"/>
         <a:cs typeface="+mn-cs"/>
       </a:defRPr>
     </a:lvl1pPr>
@@ -988,7 +988,7 @@
         <a:cs typeface=""/>
         <a:font script="Jpan" typeface="ＭＳ Ｐゴシック"/>
         <a:font script="Hang" typeface="맑은 고딕"/>
-        <a:font script="Hans" typeface="宋体"/>
+        <a:font script="Hans" typeface="逗比"/>
         <a:font script="Hant" typeface="新細明體"/>
         <a:font script="Arab" typeface="Arial"/>
         <a:font script="Hebr" typeface="Arial"/>
